--- a/presentation.pptx
+++ b/presentation.pptx
@@ -6,8 +6,10 @@
   </p:sldMasterIdLst>
   <p:sldIdLst>
     <p:sldId id="256" r:id="rId2"/>
-    <p:sldId id="257" r:id="rId3"/>
-    <p:sldId id="259" r:id="rId4"/>
+    <p:sldId id="260" r:id="rId3"/>
+    <p:sldId id="261" r:id="rId4"/>
+    <p:sldId id="257" r:id="rId5"/>
+    <p:sldId id="259" r:id="rId6"/>
   </p:sldIdLst>
   <p:sldSz cx="12192000" cy="6858000"/>
   <p:notesSz cx="6858000" cy="9144000"/>
@@ -106,6 +108,11 @@
       </a:defRPr>
     </a:lvl9pPr>
   </p:defaultTextStyle>
+  <p:extLst>
+    <p:ext uri="{EFAFB233-063F-42B5-8137-9DF3F51BA10A}">
+      <p15:sldGuideLst xmlns:p15="http://schemas.microsoft.com/office/powerpoint/2012/main"/>
+    </p:ext>
+  </p:extLst>
 </p:presentation>
 </file>
 
@@ -20629,6 +20636,240 @@
       </p:grpSpPr>
       <p:sp>
         <p:nvSpPr>
+          <p:cNvPr id="2" name="Title 1">
+            <a:extLst>
+              <a:ext uri="{FF2B5EF4-FFF2-40B4-BE49-F238E27FC236}">
+                <a16:creationId xmlns:a16="http://schemas.microsoft.com/office/drawing/2014/main" id="{03E0ADDB-2420-8443-BC62-5F315DDC345C}"/>
+              </a:ext>
+            </a:extLst>
+          </p:cNvPr>
+          <p:cNvSpPr>
+            <a:spLocks noGrp="1"/>
+          </p:cNvSpPr>
+          <p:nvPr>
+            <p:ph type="title"/>
+          </p:nvPr>
+        </p:nvSpPr>
+        <p:spPr/>
+        <p:txBody>
+          <a:bodyPr/>
+          <a:lstStyle/>
+          <a:p>
+            <a:r>
+              <a:rPr lang="en-US" dirty="0"/>
+              <a:t>The Challenge</a:t>
+            </a:r>
+          </a:p>
+        </p:txBody>
+      </p:sp>
+      <p:sp>
+        <p:nvSpPr>
+          <p:cNvPr id="3" name="Content Placeholder 2">
+            <a:extLst>
+              <a:ext uri="{FF2B5EF4-FFF2-40B4-BE49-F238E27FC236}">
+                <a16:creationId xmlns:a16="http://schemas.microsoft.com/office/drawing/2014/main" id="{BCB18B40-AE31-DC48-A3AF-CE46DFA58F8B}"/>
+              </a:ext>
+            </a:extLst>
+          </p:cNvPr>
+          <p:cNvSpPr>
+            <a:spLocks noGrp="1"/>
+          </p:cNvSpPr>
+          <p:nvPr>
+            <p:ph idx="1"/>
+          </p:nvPr>
+        </p:nvSpPr>
+        <p:spPr/>
+        <p:txBody>
+          <a:bodyPr>
+            <a:normAutofit/>
+          </a:bodyPr>
+          <a:lstStyle/>
+          <a:p>
+            <a:r>
+              <a:rPr lang="en-US" dirty="0"/>
+              <a:t>Build on the tradition of the pen-pal relationship between sponsor and child</a:t>
+            </a:r>
+          </a:p>
+          <a:p>
+            <a:r>
+              <a:rPr lang="en-US" dirty="0"/>
+              <a:t>Protect the child</a:t>
+            </a:r>
+          </a:p>
+          <a:p>
+            <a:r>
+              <a:rPr lang="en-US" dirty="0"/>
+              <a:t>Modernize communication</a:t>
+            </a:r>
+          </a:p>
+          <a:p>
+            <a:r>
+              <a:rPr lang="en-US" dirty="0"/>
+              <a:t>Drive down costs by reducing human interaction needed in translation and moderation</a:t>
+            </a:r>
+          </a:p>
+          <a:p>
+            <a:r>
+              <a:rPr lang="en-US" dirty="0"/>
+              <a:t>Increase frequency of contact between sponsor to drive outcomes</a:t>
+            </a:r>
+          </a:p>
+          <a:p>
+            <a:r>
+              <a:rPr lang="en-US" dirty="0"/>
+              <a:t>- More children in the program breaking the poverty cycle</a:t>
+            </a:r>
+          </a:p>
+          <a:p>
+            <a:r>
+              <a:rPr lang="en-US" dirty="0"/>
+              <a:t>- More sponsorships</a:t>
+            </a:r>
+          </a:p>
+        </p:txBody>
+      </p:sp>
+    </p:spTree>
+    <p:extLst>
+      <p:ext uri="{BB962C8B-B14F-4D97-AF65-F5344CB8AC3E}">
+        <p14:creationId xmlns:p14="http://schemas.microsoft.com/office/powerpoint/2010/main" val="1607445519"/>
+      </p:ext>
+    </p:extLst>
+  </p:cSld>
+  <p:clrMapOvr>
+    <a:masterClrMapping/>
+  </p:clrMapOvr>
+</p:sld>
+</file>
+
+<file path=ppt/slides/slide3.xml><?xml version="1.0" encoding="utf-8"?>
+<p:sld xmlns:a="http://schemas.openxmlformats.org/drawingml/2006/main" xmlns:r="http://schemas.openxmlformats.org/officeDocument/2006/relationships" xmlns:p="http://schemas.openxmlformats.org/presentationml/2006/main">
+  <p:cSld>
+    <p:spTree>
+      <p:nvGrpSpPr>
+        <p:cNvPr id="1" name=""/>
+        <p:cNvGrpSpPr/>
+        <p:nvPr/>
+      </p:nvGrpSpPr>
+      <p:grpSpPr>
+        <a:xfrm>
+          <a:off x="0" y="0"/>
+          <a:ext cx="0" cy="0"/>
+          <a:chOff x="0" y="0"/>
+          <a:chExt cx="0" cy="0"/>
+        </a:xfrm>
+      </p:grpSpPr>
+      <p:sp>
+        <p:nvSpPr>
+          <p:cNvPr id="2" name="Title 1">
+            <a:extLst>
+              <a:ext uri="{FF2B5EF4-FFF2-40B4-BE49-F238E27FC236}">
+                <a16:creationId xmlns:a16="http://schemas.microsoft.com/office/drawing/2014/main" id="{5406DCF0-72E8-B34C-851E-5EEE4AD2446C}"/>
+              </a:ext>
+            </a:extLst>
+          </p:cNvPr>
+          <p:cNvSpPr>
+            <a:spLocks noGrp="1"/>
+          </p:cNvSpPr>
+          <p:nvPr>
+            <p:ph type="title"/>
+          </p:nvPr>
+        </p:nvSpPr>
+        <p:spPr/>
+        <p:txBody>
+          <a:bodyPr/>
+          <a:lstStyle/>
+          <a:p>
+            <a:r>
+              <a:rPr lang="en-US" dirty="0"/>
+              <a:t>Why Alexa?</a:t>
+            </a:r>
+          </a:p>
+        </p:txBody>
+      </p:sp>
+      <p:sp>
+        <p:nvSpPr>
+          <p:cNvPr id="3" name="Content Placeholder 2">
+            <a:extLst>
+              <a:ext uri="{FF2B5EF4-FFF2-40B4-BE49-F238E27FC236}">
+                <a16:creationId xmlns:a16="http://schemas.microsoft.com/office/drawing/2014/main" id="{8318C70F-16AF-2C4A-993E-8622D17F6164}"/>
+              </a:ext>
+            </a:extLst>
+          </p:cNvPr>
+          <p:cNvSpPr>
+            <a:spLocks noGrp="1"/>
+          </p:cNvSpPr>
+          <p:nvPr>
+            <p:ph idx="1"/>
+          </p:nvPr>
+        </p:nvSpPr>
+        <p:spPr/>
+        <p:txBody>
+          <a:bodyPr/>
+          <a:lstStyle/>
+          <a:p>
+            <a:r>
+              <a:rPr lang="en-US" dirty="0"/>
+              <a:t>Natural interface for sponsors and children alike</a:t>
+            </a:r>
+          </a:p>
+          <a:p>
+            <a:r>
+              <a:rPr lang="en-US" dirty="0"/>
+              <a:t>Benefit from Amazon’s agile release of Alexa refinements</a:t>
+            </a:r>
+          </a:p>
+          <a:p>
+            <a:r>
+              <a:rPr lang="en-US" dirty="0"/>
+              <a:t>Out of the box support for all target languages (English, French, Spanish) with Amazon adding others as time goes on</a:t>
+            </a:r>
+          </a:p>
+          <a:p>
+            <a:r>
+              <a:rPr lang="en-US" dirty="0"/>
+              <a:t>Affordable to deploy to partner churches</a:t>
+            </a:r>
+          </a:p>
+          <a:p>
+            <a:r>
+              <a:rPr lang="en-US" dirty="0"/>
+              <a:t>Easy to add additional frontend (e.g. web or mobile) while utilizing same backend services</a:t>
+            </a:r>
+          </a:p>
+        </p:txBody>
+      </p:sp>
+    </p:spTree>
+    <p:extLst>
+      <p:ext uri="{BB962C8B-B14F-4D97-AF65-F5344CB8AC3E}">
+        <p14:creationId xmlns:p14="http://schemas.microsoft.com/office/powerpoint/2010/main" val="1339278119"/>
+      </p:ext>
+    </p:extLst>
+  </p:cSld>
+  <p:clrMapOvr>
+    <a:masterClrMapping/>
+  </p:clrMapOvr>
+</p:sld>
+</file>
+
+<file path=ppt/slides/slide4.xml><?xml version="1.0" encoding="utf-8"?>
+<p:sld xmlns:a="http://schemas.openxmlformats.org/drawingml/2006/main" xmlns:r="http://schemas.openxmlformats.org/officeDocument/2006/relationships" xmlns:p="http://schemas.openxmlformats.org/presentationml/2006/main">
+  <p:cSld>
+    <p:spTree>
+      <p:nvGrpSpPr>
+        <p:cNvPr id="1" name=""/>
+        <p:cNvGrpSpPr/>
+        <p:nvPr/>
+      </p:nvGrpSpPr>
+      <p:grpSpPr>
+        <a:xfrm>
+          <a:off x="0" y="0"/>
+          <a:ext cx="0" cy="0"/>
+          <a:chOff x="0" y="0"/>
+          <a:chExt cx="0" cy="0"/>
+        </a:xfrm>
+      </p:grpSpPr>
+      <p:sp>
+        <p:nvSpPr>
           <p:cNvPr id="4" name="Title 3">
             <a:extLst>
               <a:ext uri="{FF2B5EF4-FFF2-40B4-BE49-F238E27FC236}">
@@ -21020,7 +21261,7 @@
 </p:sld>
 </file>
 
-<file path=ppt/slides/slide3.xml><?xml version="1.0" encoding="utf-8"?>
+<file path=ppt/slides/slide5.xml><?xml version="1.0" encoding="utf-8"?>
 <p:sld xmlns:a="http://schemas.openxmlformats.org/drawingml/2006/main" xmlns:r="http://schemas.openxmlformats.org/officeDocument/2006/relationships" xmlns:p="http://schemas.openxmlformats.org/presentationml/2006/main">
   <p:cSld>
     <p:spTree>

--- a/presentation.pptx
+++ b/presentation.pptx
@@ -8,8 +8,10 @@
     <p:sldId id="256" r:id="rId2"/>
     <p:sldId id="260" r:id="rId3"/>
     <p:sldId id="261" r:id="rId4"/>
-    <p:sldId id="257" r:id="rId5"/>
-    <p:sldId id="259" r:id="rId6"/>
+    <p:sldId id="262" r:id="rId5"/>
+    <p:sldId id="257" r:id="rId6"/>
+    <p:sldId id="264" r:id="rId7"/>
+    <p:sldId id="259" r:id="rId8"/>
   </p:sldIdLst>
   <p:sldSz cx="12192000" cy="6858000"/>
   <p:notesSz cx="6858000" cy="9144000"/>
@@ -20561,7 +20563,7 @@
             <a:spLocks noGrp="1"/>
           </p:cNvSpPr>
           <p:nvPr>
-            <p:ph type="ctrTitle"/>
+            <p:ph type="title"/>
           </p:nvPr>
         </p:nvSpPr>
         <p:spPr/>
@@ -20589,7 +20591,7 @@
             <a:spLocks noGrp="1"/>
           </p:cNvSpPr>
           <p:nvPr>
-            <p:ph type="subTitle" idx="1"/>
+            <p:ph type="body" idx="1"/>
           </p:nvPr>
         </p:nvSpPr>
         <p:spPr/>
@@ -20852,6 +20854,166 @@
 </file>
 
 <file path=ppt/slides/slide4.xml><?xml version="1.0" encoding="utf-8"?>
+<p:sld xmlns:a="http://schemas.openxmlformats.org/drawingml/2006/main" xmlns:r="http://schemas.openxmlformats.org/officeDocument/2006/relationships" xmlns:p="http://schemas.openxmlformats.org/presentationml/2006/main">
+  <p:cSld>
+    <p:spTree>
+      <p:nvGrpSpPr>
+        <p:cNvPr id="1" name=""/>
+        <p:cNvGrpSpPr/>
+        <p:nvPr/>
+      </p:nvGrpSpPr>
+      <p:grpSpPr>
+        <a:xfrm>
+          <a:off x="0" y="0"/>
+          <a:ext cx="0" cy="0"/>
+          <a:chOff x="0" y="0"/>
+          <a:chExt cx="0" cy="0"/>
+        </a:xfrm>
+      </p:grpSpPr>
+      <p:sp>
+        <p:nvSpPr>
+          <p:cNvPr id="2" name="Title 1">
+            <a:extLst>
+              <a:ext uri="{FF2B5EF4-FFF2-40B4-BE49-F238E27FC236}">
+                <a16:creationId xmlns:a16="http://schemas.microsoft.com/office/drawing/2014/main" id="{2BFA77AF-E471-B34E-ABA0-3D5781919D17}"/>
+              </a:ext>
+            </a:extLst>
+          </p:cNvPr>
+          <p:cNvSpPr>
+            <a:spLocks noGrp="1"/>
+          </p:cNvSpPr>
+          <p:nvPr>
+            <p:ph type="title"/>
+          </p:nvPr>
+        </p:nvSpPr>
+        <p:spPr/>
+        <p:txBody>
+          <a:bodyPr/>
+          <a:lstStyle/>
+          <a:p>
+            <a:r>
+              <a:rPr lang="en-US" dirty="0"/>
+              <a:t>We have met all Acceptance criteria</a:t>
+            </a:r>
+          </a:p>
+        </p:txBody>
+      </p:sp>
+      <p:sp>
+        <p:nvSpPr>
+          <p:cNvPr id="3" name="Content Placeholder 2">
+            <a:extLst>
+              <a:ext uri="{FF2B5EF4-FFF2-40B4-BE49-F238E27FC236}">
+                <a16:creationId xmlns:a16="http://schemas.microsoft.com/office/drawing/2014/main" id="{BF9FB14C-24AC-204A-B908-75E8ED904AF9}"/>
+              </a:ext>
+            </a:extLst>
+          </p:cNvPr>
+          <p:cNvSpPr>
+            <a:spLocks noGrp="1"/>
+          </p:cNvSpPr>
+          <p:nvPr>
+            <p:ph idx="1"/>
+          </p:nvPr>
+        </p:nvSpPr>
+        <p:spPr/>
+        <p:txBody>
+          <a:bodyPr/>
+          <a:lstStyle/>
+          <a:p>
+            <a:pPr>
+              <a:buFont typeface="Arial" panose="020B0604020202020204" pitchFamily="34" charset="0"/>
+              <a:buChar char="•"/>
+            </a:pPr>
+            <a:r>
+              <a:rPr lang="en-US" dirty="0"/>
+              <a:t> Minimum:</a:t>
+            </a:r>
+          </a:p>
+          <a:p>
+            <a:pPr lvl="1">
+              <a:buFont typeface="Arial" panose="020B0604020202020204" pitchFamily="34" charset="0"/>
+              <a:buChar char="•"/>
+            </a:pPr>
+            <a:r>
+              <a:rPr lang="en-US" dirty="0"/>
+              <a:t> We have near real-time communication with very short delays on message availability (~3 seconds)</a:t>
+            </a:r>
+          </a:p>
+          <a:p>
+            <a:pPr lvl="1">
+              <a:buFont typeface="Arial" panose="020B0604020202020204" pitchFamily="34" charset="0"/>
+              <a:buChar char="•"/>
+            </a:pPr>
+            <a:r>
+              <a:rPr lang="en-US" dirty="0"/>
+              <a:t> We translate communication to the receiver’s language (e.g. spoken in English, delivered in Spanish)</a:t>
+            </a:r>
+          </a:p>
+          <a:p>
+            <a:pPr lvl="1">
+              <a:buFont typeface="Arial" panose="020B0604020202020204" pitchFamily="34" charset="0"/>
+              <a:buChar char="•"/>
+            </a:pPr>
+            <a:r>
+              <a:rPr lang="en-US" dirty="0"/>
+              <a:t> We handle filtering out of any usage of harmful words/phrases</a:t>
+            </a:r>
+          </a:p>
+          <a:p>
+            <a:pPr lvl="1">
+              <a:buFont typeface="Arial" panose="020B0604020202020204" pitchFamily="34" charset="0"/>
+              <a:buChar char="•"/>
+            </a:pPr>
+            <a:r>
+              <a:rPr lang="en-US" dirty="0"/>
+              <a:t> We handle harmful things by replacing with silence</a:t>
+            </a:r>
+          </a:p>
+          <a:p>
+            <a:pPr lvl="1">
+              <a:buFont typeface="Arial" panose="020B0604020202020204" pitchFamily="34" charset="0"/>
+              <a:buChar char="•"/>
+            </a:pPr>
+            <a:r>
+              <a:rPr lang="en-US" dirty="0"/>
+              <a:t> We handle false positives (i.e. single usage of potentially harmful word) by not terminating message, but rather translating the remainder (the portion not potentially-harmful) of the message</a:t>
+            </a:r>
+          </a:p>
+          <a:p>
+            <a:pPr>
+              <a:buFont typeface="Arial" panose="020B0604020202020204" pitchFamily="34" charset="0"/>
+              <a:buChar char="•"/>
+            </a:pPr>
+            <a:r>
+              <a:rPr lang="en-US" dirty="0"/>
+              <a:t> Stretch</a:t>
+            </a:r>
+          </a:p>
+          <a:p>
+            <a:pPr lvl="1">
+              <a:buFont typeface="Arial" panose="020B0604020202020204" pitchFamily="34" charset="0"/>
+              <a:buChar char="•"/>
+            </a:pPr>
+            <a:r>
+              <a:rPr lang="en-US" dirty="0"/>
+              <a:t>We block communication on X usage of offensive language and reporting of the offender to the firm</a:t>
+            </a:r>
+          </a:p>
+        </p:txBody>
+      </p:sp>
+    </p:spTree>
+    <p:extLst>
+      <p:ext uri="{BB962C8B-B14F-4D97-AF65-F5344CB8AC3E}">
+        <p14:creationId xmlns:p14="http://schemas.microsoft.com/office/powerpoint/2010/main" val="646646299"/>
+      </p:ext>
+    </p:extLst>
+  </p:cSld>
+  <p:clrMapOvr>
+    <a:masterClrMapping/>
+  </p:clrMapOvr>
+</p:sld>
+</file>
+
+<file path=ppt/slides/slide5.xml><?xml version="1.0" encoding="utf-8"?>
 <p:sld xmlns:a="http://schemas.openxmlformats.org/drawingml/2006/main" xmlns:r="http://schemas.openxmlformats.org/officeDocument/2006/relationships" xmlns:p="http://schemas.openxmlformats.org/presentationml/2006/main">
   <p:cSld>
     <p:spTree>
@@ -21261,7 +21423,96 @@
 </p:sld>
 </file>
 
-<file path=ppt/slides/slide5.xml><?xml version="1.0" encoding="utf-8"?>
+<file path=ppt/slides/slide6.xml><?xml version="1.0" encoding="utf-8"?>
+<p:sld xmlns:a="http://schemas.openxmlformats.org/drawingml/2006/main" xmlns:r="http://schemas.openxmlformats.org/officeDocument/2006/relationships" xmlns:p="http://schemas.openxmlformats.org/presentationml/2006/main">
+  <p:cSld>
+    <p:spTree>
+      <p:nvGrpSpPr>
+        <p:cNvPr id="1" name=""/>
+        <p:cNvGrpSpPr/>
+        <p:nvPr/>
+      </p:nvGrpSpPr>
+      <p:grpSpPr>
+        <a:xfrm>
+          <a:off x="0" y="0"/>
+          <a:ext cx="0" cy="0"/>
+          <a:chOff x="0" y="0"/>
+          <a:chExt cx="0" cy="0"/>
+        </a:xfrm>
+      </p:grpSpPr>
+      <p:sp>
+        <p:nvSpPr>
+          <p:cNvPr id="2" name="Title 1">
+            <a:extLst>
+              <a:ext uri="{FF2B5EF4-FFF2-40B4-BE49-F238E27FC236}">
+                <a16:creationId xmlns:a16="http://schemas.microsoft.com/office/drawing/2014/main" id="{B81C0660-2915-A747-A747-7A8DBB2673A7}"/>
+              </a:ext>
+            </a:extLst>
+          </p:cNvPr>
+          <p:cNvSpPr>
+            <a:spLocks noGrp="1"/>
+          </p:cNvSpPr>
+          <p:nvPr>
+            <p:ph type="title"/>
+          </p:nvPr>
+        </p:nvSpPr>
+        <p:spPr/>
+        <p:txBody>
+          <a:bodyPr/>
+          <a:lstStyle/>
+          <a:p>
+            <a:endParaRPr lang="en-US"/>
+          </a:p>
+        </p:txBody>
+      </p:sp>
+      <p:sp>
+        <p:nvSpPr>
+          <p:cNvPr id="3" name="Content Placeholder 2">
+            <a:extLst>
+              <a:ext uri="{FF2B5EF4-FFF2-40B4-BE49-F238E27FC236}">
+                <a16:creationId xmlns:a16="http://schemas.microsoft.com/office/drawing/2014/main" id="{877876FE-7B98-CC44-82F4-C4A199589B3B}"/>
+              </a:ext>
+            </a:extLst>
+          </p:cNvPr>
+          <p:cNvSpPr>
+            <a:spLocks noGrp="1"/>
+          </p:cNvSpPr>
+          <p:nvPr>
+            <p:ph idx="1"/>
+          </p:nvPr>
+        </p:nvSpPr>
+        <p:spPr>
+          <a:xfrm>
+            <a:off x="1024128" y="3385226"/>
+            <a:ext cx="9720073" cy="2924134"/>
+          </a:xfrm>
+        </p:spPr>
+        <p:txBody>
+          <a:bodyPr/>
+          <a:lstStyle/>
+          <a:p>
+            <a:pPr algn="ctr"/>
+            <a:r>
+              <a:rPr lang="en-US" dirty="0"/>
+              <a:t>This slide intentionally left blank</a:t>
+            </a:r>
+          </a:p>
+        </p:txBody>
+      </p:sp>
+    </p:spTree>
+    <p:extLst>
+      <p:ext uri="{BB962C8B-B14F-4D97-AF65-F5344CB8AC3E}">
+        <p14:creationId xmlns:p14="http://schemas.microsoft.com/office/powerpoint/2010/main" val="2115003064"/>
+      </p:ext>
+    </p:extLst>
+  </p:cSld>
+  <p:clrMapOvr>
+    <a:masterClrMapping/>
+  </p:clrMapOvr>
+</p:sld>
+</file>
+
+<file path=ppt/slides/slide7.xml><?xml version="1.0" encoding="utf-8"?>
 <p:sld xmlns:a="http://schemas.openxmlformats.org/drawingml/2006/main" xmlns:r="http://schemas.openxmlformats.org/officeDocument/2006/relationships" xmlns:p="http://schemas.openxmlformats.org/presentationml/2006/main">
   <p:cSld>
     <p:spTree>
